--- a/project in progress poster.pptx
+++ b/project in progress poster.pptx
@@ -312,7 +312,7 @@
           <a:p>
             <a:fld id="{9EE195EF-9DED-4691-9BB4-A1D9C2F0C422}" type="datetimeFigureOut">
               <a:rPr lang="en-GB" smtClean="0"/>
-              <a:t>13/02/2022</a:t>
+              <a:t>15/02/2022</a:t>
             </a:fld>
             <a:endParaRPr lang="en-GB"/>
           </a:p>
@@ -482,7 +482,7 @@
           <a:p>
             <a:fld id="{9EE195EF-9DED-4691-9BB4-A1D9C2F0C422}" type="datetimeFigureOut">
               <a:rPr lang="en-GB" smtClean="0"/>
-              <a:t>13/02/2022</a:t>
+              <a:t>15/02/2022</a:t>
             </a:fld>
             <a:endParaRPr lang="en-GB"/>
           </a:p>
@@ -662,7 +662,7 @@
           <a:p>
             <a:fld id="{9EE195EF-9DED-4691-9BB4-A1D9C2F0C422}" type="datetimeFigureOut">
               <a:rPr lang="en-GB" smtClean="0"/>
-              <a:t>13/02/2022</a:t>
+              <a:t>15/02/2022</a:t>
             </a:fld>
             <a:endParaRPr lang="en-GB"/>
           </a:p>
@@ -832,7 +832,7 @@
           <a:p>
             <a:fld id="{9EE195EF-9DED-4691-9BB4-A1D9C2F0C422}" type="datetimeFigureOut">
               <a:rPr lang="en-GB" smtClean="0"/>
-              <a:t>13/02/2022</a:t>
+              <a:t>15/02/2022</a:t>
             </a:fld>
             <a:endParaRPr lang="en-GB"/>
           </a:p>
@@ -1076,7 +1076,7 @@
           <a:p>
             <a:fld id="{9EE195EF-9DED-4691-9BB4-A1D9C2F0C422}" type="datetimeFigureOut">
               <a:rPr lang="en-GB" smtClean="0"/>
-              <a:t>13/02/2022</a:t>
+              <a:t>15/02/2022</a:t>
             </a:fld>
             <a:endParaRPr lang="en-GB"/>
           </a:p>
@@ -1308,7 +1308,7 @@
           <a:p>
             <a:fld id="{9EE195EF-9DED-4691-9BB4-A1D9C2F0C422}" type="datetimeFigureOut">
               <a:rPr lang="en-GB" smtClean="0"/>
-              <a:t>13/02/2022</a:t>
+              <a:t>15/02/2022</a:t>
             </a:fld>
             <a:endParaRPr lang="en-GB"/>
           </a:p>
@@ -1675,7 +1675,7 @@
           <a:p>
             <a:fld id="{9EE195EF-9DED-4691-9BB4-A1D9C2F0C422}" type="datetimeFigureOut">
               <a:rPr lang="en-GB" smtClean="0"/>
-              <a:t>13/02/2022</a:t>
+              <a:t>15/02/2022</a:t>
             </a:fld>
             <a:endParaRPr lang="en-GB"/>
           </a:p>
@@ -1793,7 +1793,7 @@
           <a:p>
             <a:fld id="{9EE195EF-9DED-4691-9BB4-A1D9C2F0C422}" type="datetimeFigureOut">
               <a:rPr lang="en-GB" smtClean="0"/>
-              <a:t>13/02/2022</a:t>
+              <a:t>15/02/2022</a:t>
             </a:fld>
             <a:endParaRPr lang="en-GB"/>
           </a:p>
@@ -1888,7 +1888,7 @@
           <a:p>
             <a:fld id="{9EE195EF-9DED-4691-9BB4-A1D9C2F0C422}" type="datetimeFigureOut">
               <a:rPr lang="en-GB" smtClean="0"/>
-              <a:t>13/02/2022</a:t>
+              <a:t>15/02/2022</a:t>
             </a:fld>
             <a:endParaRPr lang="en-GB"/>
           </a:p>
@@ -2165,7 +2165,7 @@
           <a:p>
             <a:fld id="{9EE195EF-9DED-4691-9BB4-A1D9C2F0C422}" type="datetimeFigureOut">
               <a:rPr lang="en-GB" smtClean="0"/>
-              <a:t>13/02/2022</a:t>
+              <a:t>15/02/2022</a:t>
             </a:fld>
             <a:endParaRPr lang="en-GB"/>
           </a:p>
@@ -2422,7 +2422,7 @@
           <a:p>
             <a:fld id="{9EE195EF-9DED-4691-9BB4-A1D9C2F0C422}" type="datetimeFigureOut">
               <a:rPr lang="en-GB" smtClean="0"/>
-              <a:t>13/02/2022</a:t>
+              <a:t>15/02/2022</a:t>
             </a:fld>
             <a:endParaRPr lang="en-GB"/>
           </a:p>
@@ -2635,7 +2635,7 @@
           <a:p>
             <a:fld id="{9EE195EF-9DED-4691-9BB4-A1D9C2F0C422}" type="datetimeFigureOut">
               <a:rPr lang="en-GB" smtClean="0"/>
-              <a:t>13/02/2022</a:t>
+              <a:t>15/02/2022</a:t>
             </a:fld>
             <a:endParaRPr lang="en-GB"/>
           </a:p>
@@ -3926,7 +3926,7 @@
         </p:spPr>
         <p:txBody>
           <a:bodyPr vert="horz" lIns="91440" tIns="45720" rIns="91440" bIns="45720" rtlCol="0" anchor="t">
-            <a:normAutofit/>
+            <a:normAutofit lnSpcReduction="10000"/>
           </a:bodyPr>
           <a:lstStyle>
             <a:lvl1pPr algn="ctr" defTabSz="2138324" rtl="0" eaLnBrk="1" latinLnBrk="0" hangingPunct="1">
@@ -3962,7 +3962,7 @@
             <a:pPr algn="l"/>
             <a:r>
               <a:rPr lang="en-GB" sz="2400" dirty="0"/>
-              <a:t>The abstract includes a short description of the project. It should not exceed one paragraph. Ideally, it should summarise the key points of your project including the project idea and scope.</a:t>
+              <a:t>This project is focussed on developing a cross platform app, using react native, the app will utilise gamification techniques to such as challenges to engage photographers with their craft. There will also be a slight educational focus as camera info and settings will also be shown if available from the images meta data or specified by the user.</a:t>
             </a:r>
           </a:p>
         </p:txBody>
